--- a/austins_temp_powerpoint.pptx
+++ b/austins_temp_powerpoint.pptx
@@ -7,6 +7,12 @@
   <p:sldIdLst>
     <p:sldId id="256" r:id="rId2"/>
     <p:sldId id="257" r:id="rId3"/>
+    <p:sldId id="258" r:id="rId4"/>
+    <p:sldId id="259" r:id="rId5"/>
+    <p:sldId id="260" r:id="rId6"/>
+    <p:sldId id="261" r:id="rId7"/>
+    <p:sldId id="262" r:id="rId8"/>
+    <p:sldId id="263" r:id="rId9"/>
   </p:sldIdLst>
   <p:sldSz cx="12192000" cy="6858000"/>
   <p:notesSz cx="6858000" cy="9144000"/>
@@ -5951,6 +5957,97 @@
             <p:ph type="title"/>
           </p:nvPr>
         </p:nvSpPr>
+        <p:spPr/>
+        <p:txBody>
+          <a:bodyPr/>
+          <a:lstStyle/>
+          <a:p>
+            <a:pPr lvl="0" indent="0" marL="0">
+              <a:buNone/>
+            </a:pPr>
+            <a:r>
+              <a:rPr/>
+              <a:t>Background</a:t>
+            </a:r>
+          </a:p>
+        </p:txBody>
+      </p:sp>
+      <p:sp>
+        <p:nvSpPr>
+          <p:cNvPr id="3" name="Content Placeholder 2"/>
+          <p:cNvSpPr>
+            <a:spLocks noGrp="1"/>
+          </p:cNvSpPr>
+          <p:nvPr>
+            <p:ph idx="1"/>
+          </p:nvPr>
+        </p:nvSpPr>
+        <p:spPr/>
+        <p:txBody>
+          <a:bodyPr/>
+          <a:lstStyle/>
+          <a:p>
+            <a:pPr lvl="0"/>
+            <a:r>
+              <a:rPr/>
+              <a:t>Breast Cancer Diagnosis Data</a:t>
+            </a:r>
+          </a:p>
+          <a:p>
+            <a:pPr lvl="0"/>
+            <a:r>
+              <a:rPr/>
+              <a:t>Predict Diagnosis of Tumor based on features (Malignant or Benign)</a:t>
+            </a:r>
+          </a:p>
+          <a:p>
+            <a:pPr lvl="0"/>
+            <a:r>
+              <a:rPr/>
+              <a:t>Reduce Type II Error (False-Negatives)</a:t>
+            </a:r>
+          </a:p>
+          <a:p>
+            <a:pPr lvl="1"/>
+            <a:r>
+              <a:rPr/>
+              <a:t>Feature and Model Selection</a:t>
+            </a:r>
+          </a:p>
+        </p:txBody>
+      </p:sp>
+    </p:spTree>
+  </p:cSld>
+</p:sld>
+</file>
+
+<file path=ppt/slides/slide3.xml><?xml version="1.0" encoding="utf-8"?>
+<p:sld xmlns:a="http://schemas.openxmlformats.org/drawingml/2006/main" xmlns:r="http://schemas.openxmlformats.org/officeDocument/2006/relationships" xmlns:p="http://schemas.openxmlformats.org/presentationml/2006/main">
+  <p:cSld>
+    <p:spTree>
+      <p:nvGrpSpPr>
+        <p:cNvPr id="1" name=""/>
+        <p:cNvGrpSpPr/>
+        <p:nvPr/>
+      </p:nvGrpSpPr>
+      <p:grpSpPr>
+        <a:xfrm>
+          <a:off x="0" y="0"/>
+          <a:ext cx="0" cy="0"/>
+          <a:chOff x="0" y="0"/>
+          <a:chExt cx="0" cy="0"/>
+        </a:xfrm>
+      </p:grpSpPr>
+      <p:sp>
+        <p:nvSpPr>
+          <p:cNvPr id="2" name="Title 1"/>
+          <p:cNvSpPr>
+            <a:spLocks noGrp="1"/>
+          </p:cNvSpPr>
+          <p:nvPr>
+            <p:ph type="title"/>
+          </p:nvPr>
+        </p:nvSpPr>
         <p:spPr>
           <a:xfrm>
             <a:off x="677335" y="2700867"/>
@@ -5966,11 +6063,388 @@
             </a:pPr>
             <a:r>
               <a:rPr/>
-              <a:t>Breast Cancer Diagnosis Classification Analysis</a:t>
-            </a:r>
-          </a:p>
-        </p:txBody>
-      </p:sp>
+              <a:t>Models</a:t>
+            </a:r>
+          </a:p>
+        </p:txBody>
+      </p:sp>
+    </p:spTree>
+  </p:cSld>
+</p:sld>
+</file>
+
+<file path=ppt/slides/slide4.xml><?xml version="1.0" encoding="utf-8"?>
+<p:sld xmlns:a="http://schemas.openxmlformats.org/drawingml/2006/main" xmlns:r="http://schemas.openxmlformats.org/officeDocument/2006/relationships" xmlns:p="http://schemas.openxmlformats.org/presentationml/2006/main">
+  <p:cSld>
+    <p:spTree>
+      <p:nvGrpSpPr>
+        <p:cNvPr id="1" name=""/>
+        <p:cNvGrpSpPr/>
+        <p:nvPr/>
+      </p:nvGrpSpPr>
+      <p:grpSpPr>
+        <a:xfrm>
+          <a:off x="0" y="0"/>
+          <a:ext cx="0" cy="0"/>
+          <a:chOff x="0" y="0"/>
+          <a:chExt cx="0" cy="0"/>
+        </a:xfrm>
+      </p:grpSpPr>
+      <p:sp>
+        <p:nvSpPr>
+          <p:cNvPr id="2" name="Title 1"/>
+          <p:cNvSpPr>
+            <a:spLocks noGrp="1"/>
+          </p:cNvSpPr>
+          <p:nvPr>
+            <p:ph type="title"/>
+          </p:nvPr>
+        </p:nvSpPr>
+        <p:spPr/>
+        <p:txBody>
+          <a:bodyPr/>
+          <a:lstStyle/>
+          <a:p>
+            <a:pPr lvl="0" indent="0" marL="0">
+              <a:buNone/>
+            </a:pPr>
+            <a:r>
+              <a:rPr/>
+              <a:t>KNN</a:t>
+            </a:r>
+          </a:p>
+        </p:txBody>
+      </p:sp>
+      <p:pic>
+        <p:nvPicPr>
+          <p:cNvPr descr="austins_temp_powerpoint_files/figure-pptx/austin_knn_plot-1.png" id="0" name="Picture 1"/>
+          <p:cNvPicPr>
+            <a:picLocks noGrp="1" noChangeAspect="1"/>
+          </p:cNvPicPr>
+          <p:nvPr/>
+        </p:nvPicPr>
+        <p:blipFill>
+          <a:blip r:embed="rId2"/>
+          <a:stretch>
+            <a:fillRect/>
+          </a:stretch>
+        </p:blipFill>
+        <p:spPr bwMode="auto">
+          <a:xfrm>
+            <a:off x="1574800" y="2159000"/>
+            <a:ext cx="6781800" cy="3873500"/>
+          </a:xfrm>
+          <a:prstGeom prst="rect">
+            <a:avLst/>
+          </a:prstGeom>
+          <a:noFill/>
+          <a:ln w="9525">
+            <a:noFill/>
+            <a:headEnd/>
+            <a:tailEnd/>
+          </a:ln>
+        </p:spPr>
+      </p:pic>
+    </p:spTree>
+  </p:cSld>
+</p:sld>
+</file>
+
+<file path=ppt/slides/slide5.xml><?xml version="1.0" encoding="utf-8"?>
+<p:sld xmlns:a="http://schemas.openxmlformats.org/drawingml/2006/main" xmlns:r="http://schemas.openxmlformats.org/officeDocument/2006/relationships" xmlns:p="http://schemas.openxmlformats.org/presentationml/2006/main">
+  <p:cSld>
+    <p:spTree>
+      <p:nvGrpSpPr>
+        <p:cNvPr id="1" name=""/>
+        <p:cNvGrpSpPr/>
+        <p:nvPr/>
+      </p:nvGrpSpPr>
+      <p:grpSpPr>
+        <a:xfrm>
+          <a:off x="0" y="0"/>
+          <a:ext cx="0" cy="0"/>
+          <a:chOff x="0" y="0"/>
+          <a:chExt cx="0" cy="0"/>
+        </a:xfrm>
+      </p:grpSpPr>
+      <p:sp>
+        <p:nvSpPr>
+          <p:cNvPr id="2" name="Title 1"/>
+          <p:cNvSpPr>
+            <a:spLocks noGrp="1"/>
+          </p:cNvSpPr>
+          <p:nvPr>
+            <p:ph type="title"/>
+          </p:nvPr>
+        </p:nvSpPr>
+        <p:spPr/>
+        <p:txBody>
+          <a:bodyPr/>
+          <a:lstStyle/>
+          <a:p>
+            <a:pPr lvl="0" indent="0" marL="0">
+              <a:buNone/>
+            </a:pPr>
+            <a:r>
+              <a:rPr/>
+              <a:t>Random Forrest</a:t>
+            </a:r>
+          </a:p>
+        </p:txBody>
+      </p:sp>
+      <p:pic>
+        <p:nvPicPr>
+          <p:cNvPr descr="austins_temp_powerpoint_files/figure-pptx/austin_random_forrest_plot-1.png" id="0" name="Picture 1"/>
+          <p:cNvPicPr>
+            <a:picLocks noGrp="1" noChangeAspect="1"/>
+          </p:cNvPicPr>
+          <p:nvPr/>
+        </p:nvPicPr>
+        <p:blipFill>
+          <a:blip r:embed="rId2"/>
+          <a:stretch>
+            <a:fillRect/>
+          </a:stretch>
+        </p:blipFill>
+        <p:spPr bwMode="auto">
+          <a:xfrm>
+            <a:off x="1574800" y="2159000"/>
+            <a:ext cx="6781800" cy="3873500"/>
+          </a:xfrm>
+          <a:prstGeom prst="rect">
+            <a:avLst/>
+          </a:prstGeom>
+          <a:noFill/>
+          <a:ln w="9525">
+            <a:noFill/>
+            <a:headEnd/>
+            <a:tailEnd/>
+          </a:ln>
+        </p:spPr>
+      </p:pic>
+    </p:spTree>
+  </p:cSld>
+</p:sld>
+</file>
+
+<file path=ppt/slides/slide6.xml><?xml version="1.0" encoding="utf-8"?>
+<p:sld xmlns:a="http://schemas.openxmlformats.org/drawingml/2006/main" xmlns:r="http://schemas.openxmlformats.org/officeDocument/2006/relationships" xmlns:p="http://schemas.openxmlformats.org/presentationml/2006/main">
+  <p:cSld>
+    <p:spTree>
+      <p:nvGrpSpPr>
+        <p:cNvPr id="1" name=""/>
+        <p:cNvGrpSpPr/>
+        <p:nvPr/>
+      </p:nvGrpSpPr>
+      <p:grpSpPr>
+        <a:xfrm>
+          <a:off x="0" y="0"/>
+          <a:ext cx="0" cy="0"/>
+          <a:chOff x="0" y="0"/>
+          <a:chExt cx="0" cy="0"/>
+        </a:xfrm>
+      </p:grpSpPr>
+      <p:sp>
+        <p:nvSpPr>
+          <p:cNvPr id="4" name="Text Placeholder 3"/>
+          <p:cNvSpPr>
+            <a:spLocks noGrp="1"/>
+          </p:cNvSpPr>
+          <p:nvPr>
+            <p:ph idx="2" sz="half" type="body"/>
+          </p:nvPr>
+        </p:nvSpPr>
+        <p:spPr/>
+        <p:txBody>
+          <a:bodyPr/>
+          <a:lstStyle/>
+          <a:p>
+            <a:pPr lvl="0" indent="0" marL="0">
+              <a:buNone/>
+            </a:pPr>
+          </a:p>
+        </p:txBody>
+      </p:sp>
+      <p:pic>
+        <p:nvPicPr>
+          <p:cNvPr descr="austins_temp_powerpoint_files/figure-pptx/austin_random_forrest_plot2-1.png" id="0" name="Picture 1"/>
+          <p:cNvPicPr>
+            <a:picLocks noGrp="1" noChangeAspect="1"/>
+          </p:cNvPicPr>
+          <p:nvPr/>
+        </p:nvPicPr>
+        <p:blipFill>
+          <a:blip r:embed="rId2"/>
+          <a:stretch>
+            <a:fillRect/>
+          </a:stretch>
+        </p:blipFill>
+        <p:spPr bwMode="auto">
+          <a:xfrm>
+            <a:off x="4749800" y="1981200"/>
+            <a:ext cx="4508500" cy="2578100"/>
+          </a:xfrm>
+          <a:prstGeom prst="rect">
+            <a:avLst/>
+          </a:prstGeom>
+          <a:noFill/>
+          <a:ln w="9525">
+            <a:noFill/>
+            <a:headEnd/>
+            <a:tailEnd/>
+          </a:ln>
+        </p:spPr>
+      </p:pic>
+    </p:spTree>
+  </p:cSld>
+</p:sld>
+</file>
+
+<file path=ppt/slides/slide7.xml><?xml version="1.0" encoding="utf-8"?>
+<p:sld xmlns:a="http://schemas.openxmlformats.org/drawingml/2006/main" xmlns:r="http://schemas.openxmlformats.org/officeDocument/2006/relationships" xmlns:p="http://schemas.openxmlformats.org/presentationml/2006/main">
+  <p:cSld>
+    <p:spTree>
+      <p:nvGrpSpPr>
+        <p:cNvPr id="1" name=""/>
+        <p:cNvGrpSpPr/>
+        <p:nvPr/>
+      </p:nvGrpSpPr>
+      <p:grpSpPr>
+        <a:xfrm>
+          <a:off x="0" y="0"/>
+          <a:ext cx="0" cy="0"/>
+          <a:chOff x="0" y="0"/>
+          <a:chExt cx="0" cy="0"/>
+        </a:xfrm>
+      </p:grpSpPr>
+      <p:sp>
+        <p:nvSpPr>
+          <p:cNvPr id="2" name="Title 1"/>
+          <p:cNvSpPr>
+            <a:spLocks noGrp="1"/>
+          </p:cNvSpPr>
+          <p:nvPr>
+            <p:ph type="title"/>
+          </p:nvPr>
+        </p:nvSpPr>
+        <p:spPr/>
+        <p:txBody>
+          <a:bodyPr/>
+          <a:lstStyle/>
+          <a:p>
+            <a:pPr lvl="0" indent="0" marL="0">
+              <a:buNone/>
+            </a:pPr>
+            <a:r>
+              <a:rPr/>
+              <a:t>Radial Support Vector Machine</a:t>
+            </a:r>
+          </a:p>
+        </p:txBody>
+      </p:sp>
+      <p:pic>
+        <p:nvPicPr>
+          <p:cNvPr descr="austins_temp_powerpoint_files/figure-pptx/austin_svm_plot-1.png" id="0" name="Picture 1"/>
+          <p:cNvPicPr>
+            <a:picLocks noGrp="1" noChangeAspect="1"/>
+          </p:cNvPicPr>
+          <p:nvPr/>
+        </p:nvPicPr>
+        <p:blipFill>
+          <a:blip r:embed="rId2"/>
+          <a:stretch>
+            <a:fillRect/>
+          </a:stretch>
+        </p:blipFill>
+        <p:spPr bwMode="auto">
+          <a:xfrm>
+            <a:off x="1574800" y="2159000"/>
+            <a:ext cx="6781800" cy="3873500"/>
+          </a:xfrm>
+          <a:prstGeom prst="rect">
+            <a:avLst/>
+          </a:prstGeom>
+          <a:noFill/>
+          <a:ln w="9525">
+            <a:noFill/>
+            <a:headEnd/>
+            <a:tailEnd/>
+          </a:ln>
+        </p:spPr>
+      </p:pic>
+    </p:spTree>
+  </p:cSld>
+</p:sld>
+</file>
+
+<file path=ppt/slides/slide8.xml><?xml version="1.0" encoding="utf-8"?>
+<p:sld xmlns:a="http://schemas.openxmlformats.org/drawingml/2006/main" xmlns:r="http://schemas.openxmlformats.org/officeDocument/2006/relationships" xmlns:p="http://schemas.openxmlformats.org/presentationml/2006/main">
+  <p:cSld>
+    <p:spTree>
+      <p:nvGrpSpPr>
+        <p:cNvPr id="1" name=""/>
+        <p:cNvGrpSpPr/>
+        <p:nvPr/>
+      </p:nvGrpSpPr>
+      <p:grpSpPr>
+        <a:xfrm>
+          <a:off x="0" y="0"/>
+          <a:ext cx="0" cy="0"/>
+          <a:chOff x="0" y="0"/>
+          <a:chExt cx="0" cy="0"/>
+        </a:xfrm>
+      </p:grpSpPr>
+      <p:sp>
+        <p:nvSpPr>
+          <p:cNvPr id="4" name="Text Placeholder 3"/>
+          <p:cNvSpPr>
+            <a:spLocks noGrp="1"/>
+          </p:cNvSpPr>
+          <p:nvPr>
+            <p:ph idx="2" sz="half" type="body"/>
+          </p:nvPr>
+        </p:nvSpPr>
+        <p:spPr/>
+        <p:txBody>
+          <a:bodyPr/>
+          <a:lstStyle/>
+          <a:p>
+            <a:pPr lvl="0" indent="0" marL="0">
+              <a:buNone/>
+            </a:pPr>
+          </a:p>
+        </p:txBody>
+      </p:sp>
+      <p:pic>
+        <p:nvPicPr>
+          <p:cNvPr descr="austins_temp_powerpoint_files/figure-pptx/austin_svm_plot2-1.png" id="0" name="Picture 1"/>
+          <p:cNvPicPr>
+            <a:picLocks noGrp="1" noChangeAspect="1"/>
+          </p:cNvPicPr>
+          <p:nvPr/>
+        </p:nvPicPr>
+        <p:blipFill>
+          <a:blip r:embed="rId2"/>
+          <a:stretch>
+            <a:fillRect/>
+          </a:stretch>
+        </p:blipFill>
+        <p:spPr bwMode="auto">
+          <a:xfrm>
+            <a:off x="4749800" y="1981200"/>
+            <a:ext cx="4508500" cy="2578100"/>
+          </a:xfrm>
+          <a:prstGeom prst="rect">
+            <a:avLst/>
+          </a:prstGeom>
+          <a:noFill/>
+          <a:ln w="9525">
+            <a:noFill/>
+            <a:headEnd/>
+            <a:tailEnd/>
+          </a:ln>
+        </p:spPr>
+      </p:pic>
     </p:spTree>
   </p:cSld>
 </p:sld>

--- a/austins_temp_powerpoint.pptx
+++ b/austins_temp_powerpoint.pptx
@@ -13,6 +13,13 @@
     <p:sldId id="261" r:id="rId7"/>
     <p:sldId id="262" r:id="rId8"/>
     <p:sldId id="263" r:id="rId9"/>
+    <p:sldId id="264" r:id="rId10"/>
+    <p:sldId id="265" r:id="rId11"/>
+    <p:sldId id="266" r:id="rId12"/>
+    <p:sldId id="267" r:id="rId13"/>
+    <p:sldId id="268" r:id="rId14"/>
+    <p:sldId id="269" r:id="rId15"/>
+    <p:sldId id="270" r:id="rId16"/>
   </p:sldIdLst>
   <p:sldSz cx="12192000" cy="6858000"/>
   <p:notesSz cx="6858000" cy="9144000"/>
@@ -5930,7 +5937,7 @@
 </p:sld>
 </file>
 
-<file path=ppt/slides/slide2.xml><?xml version="1.0" encoding="utf-8"?>
+<file path=ppt/slides/slide10.xml><?xml version="1.0" encoding="utf-8"?>
 <p:sld xmlns:a="http://schemas.openxmlformats.org/drawingml/2006/main" xmlns:r="http://schemas.openxmlformats.org/officeDocument/2006/relationships" xmlns:p="http://schemas.openxmlformats.org/presentationml/2006/main">
   <p:cSld>
     <p:spTree>
@@ -5967,157 +5974,14 @@
             </a:pPr>
             <a:r>
               <a:rPr/>
-              <a:t>Background</a:t>
-            </a:r>
-          </a:p>
-        </p:txBody>
-      </p:sp>
-      <p:sp>
-        <p:nvSpPr>
-          <p:cNvPr id="3" name="Content Placeholder 2"/>
-          <p:cNvSpPr>
-            <a:spLocks noGrp="1"/>
-          </p:cNvSpPr>
-          <p:nvPr>
-            <p:ph idx="1"/>
-          </p:nvPr>
-        </p:nvSpPr>
-        <p:spPr/>
-        <p:txBody>
-          <a:bodyPr/>
-          <a:lstStyle/>
-          <a:p>
-            <a:pPr lvl="0"/>
-            <a:r>
-              <a:rPr/>
-              <a:t>Breast Cancer Diagnosis Data</a:t>
-            </a:r>
-          </a:p>
-          <a:p>
-            <a:pPr lvl="0"/>
-            <a:r>
-              <a:rPr/>
-              <a:t>Predict Diagnosis of Tumor based on features (Malignant or Benign)</a:t>
-            </a:r>
-          </a:p>
-          <a:p>
-            <a:pPr lvl="0"/>
-            <a:r>
-              <a:rPr/>
-              <a:t>Reduce Type II Error (False-Negatives)</a:t>
-            </a:r>
-          </a:p>
-          <a:p>
-            <a:pPr lvl="1"/>
-            <a:r>
-              <a:rPr/>
-              <a:t>Feature and Model Selection</a:t>
-            </a:r>
-          </a:p>
-        </p:txBody>
-      </p:sp>
-    </p:spTree>
-  </p:cSld>
-</p:sld>
-</file>
-
-<file path=ppt/slides/slide3.xml><?xml version="1.0" encoding="utf-8"?>
-<p:sld xmlns:a="http://schemas.openxmlformats.org/drawingml/2006/main" xmlns:r="http://schemas.openxmlformats.org/officeDocument/2006/relationships" xmlns:p="http://schemas.openxmlformats.org/presentationml/2006/main">
-  <p:cSld>
-    <p:spTree>
-      <p:nvGrpSpPr>
-        <p:cNvPr id="1" name=""/>
-        <p:cNvGrpSpPr/>
-        <p:nvPr/>
-      </p:nvGrpSpPr>
-      <p:grpSpPr>
-        <a:xfrm>
-          <a:off x="0" y="0"/>
-          <a:ext cx="0" cy="0"/>
-          <a:chOff x="0" y="0"/>
-          <a:chExt cx="0" cy="0"/>
-        </a:xfrm>
-      </p:grpSpPr>
-      <p:sp>
-        <p:nvSpPr>
-          <p:cNvPr id="2" name="Title 1"/>
-          <p:cNvSpPr>
-            <a:spLocks noGrp="1"/>
-          </p:cNvSpPr>
-          <p:nvPr>
-            <p:ph type="title"/>
-          </p:nvPr>
-        </p:nvSpPr>
-        <p:spPr>
-          <a:xfrm>
-            <a:off x="677335" y="2700867"/>
-            <a:ext cx="8596668" cy="1826581"/>
-          </a:xfrm>
-        </p:spPr>
-        <p:txBody>
-          <a:bodyPr/>
-          <a:lstStyle/>
-          <a:p>
-            <a:pPr lvl="0" indent="0" marL="0">
-              <a:buNone/>
-            </a:pPr>
-            <a:r>
-              <a:rPr/>
-              <a:t>Models</a:t>
-            </a:r>
-          </a:p>
-        </p:txBody>
-      </p:sp>
-    </p:spTree>
-  </p:cSld>
-</p:sld>
-</file>
-
-<file path=ppt/slides/slide4.xml><?xml version="1.0" encoding="utf-8"?>
-<p:sld xmlns:a="http://schemas.openxmlformats.org/drawingml/2006/main" xmlns:r="http://schemas.openxmlformats.org/officeDocument/2006/relationships" xmlns:p="http://schemas.openxmlformats.org/presentationml/2006/main">
-  <p:cSld>
-    <p:spTree>
-      <p:nvGrpSpPr>
-        <p:cNvPr id="1" name=""/>
-        <p:cNvGrpSpPr/>
-        <p:nvPr/>
-      </p:nvGrpSpPr>
-      <p:grpSpPr>
-        <a:xfrm>
-          <a:off x="0" y="0"/>
-          <a:ext cx="0" cy="0"/>
-          <a:chOff x="0" y="0"/>
-          <a:chExt cx="0" cy="0"/>
-        </a:xfrm>
-      </p:grpSpPr>
-      <p:sp>
-        <p:nvSpPr>
-          <p:cNvPr id="2" name="Title 1"/>
-          <p:cNvSpPr>
-            <a:spLocks noGrp="1"/>
-          </p:cNvSpPr>
-          <p:nvPr>
-            <p:ph type="title"/>
-          </p:nvPr>
-        </p:nvSpPr>
-        <p:spPr/>
-        <p:txBody>
-          <a:bodyPr/>
-          <a:lstStyle/>
-          <a:p>
-            <a:pPr lvl="0" indent="0" marL="0">
-              <a:buNone/>
-            </a:pPr>
-            <a:r>
-              <a:rPr/>
-              <a:t>KNN</a:t>
+              <a:t>Tuned Random Forrest</a:t>
             </a:r>
           </a:p>
         </p:txBody>
       </p:sp>
       <p:pic>
         <p:nvPicPr>
-          <p:cNvPr descr="austins_temp_powerpoint_files/figure-pptx/austin_knn_plot-1.png" id="0" name="Picture 1"/>
+          <p:cNvPr descr="austins_temp_powerpoint_files/figure-pptx/tuned_rf_plot-1.png" id="0" name="Picture 1"/>
           <p:cNvPicPr>
             <a:picLocks noGrp="1" noChangeAspect="1"/>
           </p:cNvPicPr>
@@ -6150,6 +6014,663 @@
 </p:sld>
 </file>
 
+<file path=ppt/slides/slide11.xml><?xml version="1.0" encoding="utf-8"?>
+<p:sld xmlns:a="http://schemas.openxmlformats.org/drawingml/2006/main" xmlns:r="http://schemas.openxmlformats.org/officeDocument/2006/relationships" xmlns:p="http://schemas.openxmlformats.org/presentationml/2006/main">
+  <p:cSld>
+    <p:spTree>
+      <p:nvGrpSpPr>
+        <p:cNvPr id="1" name=""/>
+        <p:cNvGrpSpPr/>
+        <p:nvPr/>
+      </p:nvGrpSpPr>
+      <p:grpSpPr>
+        <a:xfrm>
+          <a:off x="0" y="0"/>
+          <a:ext cx="0" cy="0"/>
+          <a:chOff x="0" y="0"/>
+          <a:chExt cx="0" cy="0"/>
+        </a:xfrm>
+      </p:grpSpPr>
+      <p:sp>
+        <p:nvSpPr>
+          <p:cNvPr id="2" name="Title 1"/>
+          <p:cNvSpPr>
+            <a:spLocks noGrp="1"/>
+          </p:cNvSpPr>
+          <p:nvPr>
+            <p:ph type="title"/>
+          </p:nvPr>
+        </p:nvSpPr>
+        <p:spPr/>
+        <p:txBody>
+          <a:bodyPr/>
+          <a:lstStyle/>
+          <a:p>
+            <a:pPr lvl="0" indent="0" marL="0">
+              <a:buNone/>
+            </a:pPr>
+            <a:r>
+              <a:rPr/>
+              <a:t>Tuned Random Forrest Parameters</a:t>
+            </a:r>
+          </a:p>
+        </p:txBody>
+      </p:sp>
+      <mc:AlternateContent xmlns:mc="http://schemas.openxmlformats.org/markup-compatibility/2006">
+        <mc:Choice xmlns:a14="http://schemas.microsoft.com/office/drawing/2010/main" Requires="a14">
+          <p:sp>
+            <p:nvSpPr>
+              <p:cNvPr id="3" name="Content Placeholder 2"/>
+              <p:cNvSpPr>
+                <a:spLocks noGrp="1"/>
+              </p:cNvSpPr>
+              <p:nvPr>
+                <p:ph idx="1"/>
+              </p:nvPr>
+            </p:nvSpPr>
+            <p:spPr/>
+            <p:txBody>
+              <a:bodyPr/>
+              <a:lstStyle/>
+              <a:p>
+                <a:pPr lvl="0"/>
+                <a:r>
+                  <a:rPr/>
+                  <a:t>Using all features</a:t>
+                </a:r>
+              </a:p>
+              <a:p>
+                <a:pPr lvl="0"/>
+                <a:r>
+                  <a:rPr/>
+                  <a:t>10-fold cross validation repeated 10 times</a:t>
+                </a:r>
+              </a:p>
+              <a:p>
+                <a:pPr lvl="0"/>
+                <a14:m>
+                  <m:oMath xmlns:m="http://schemas.openxmlformats.org/officeDocument/2006/math">
+                    <m:r>
+                      <m:t>n</m:t>
+                    </m:r>
+                    <m:r>
+                      <m:rPr>
+                        <m:sty m:val="p"/>
+                      </m:rPr>
+                      <m:t>=</m:t>
+                    </m:r>
+                  </m:oMath>
+                </a14:m>
+                <a:r>
+                  <a:rPr/>
+                  <a:t> 21 trees</a:t>
+                </a:r>
+              </a:p>
+              <a:p>
+                <a:pPr lvl="0"/>
+                <a:r>
+                  <a:rPr/>
+                  <a:t>Type II Error: 0.0220264</a:t>
+                </a:r>
+              </a:p>
+              <a:p>
+                <a:pPr lvl="0"/>
+                <a:r>
+                  <a:rPr/>
+                  <a:t>Accuracy: 0.9603524</a:t>
+                </a:r>
+              </a:p>
+            </p:txBody>
+          </p:sp>
+        </mc:Choice>
+      </mc:AlternateContent>
+    </p:spTree>
+  </p:cSld>
+</p:sld>
+</file>
+
+<file path=ppt/slides/slide12.xml><?xml version="1.0" encoding="utf-8"?>
+<p:sld xmlns:a="http://schemas.openxmlformats.org/drawingml/2006/main" xmlns:r="http://schemas.openxmlformats.org/officeDocument/2006/relationships" xmlns:p="http://schemas.openxmlformats.org/presentationml/2006/main">
+  <p:cSld>
+    <p:spTree>
+      <p:nvGrpSpPr>
+        <p:cNvPr id="1" name=""/>
+        <p:cNvGrpSpPr/>
+        <p:nvPr/>
+      </p:nvGrpSpPr>
+      <p:grpSpPr>
+        <a:xfrm>
+          <a:off x="0" y="0"/>
+          <a:ext cx="0" cy="0"/>
+          <a:chOff x="0" y="0"/>
+          <a:chExt cx="0" cy="0"/>
+        </a:xfrm>
+      </p:grpSpPr>
+      <p:sp>
+        <p:nvSpPr>
+          <p:cNvPr id="2" name="Title 1"/>
+          <p:cNvSpPr>
+            <a:spLocks noGrp="1"/>
+          </p:cNvSpPr>
+          <p:nvPr>
+            <p:ph type="title"/>
+          </p:nvPr>
+        </p:nvSpPr>
+        <p:spPr/>
+        <p:txBody>
+          <a:bodyPr/>
+          <a:lstStyle/>
+          <a:p>
+            <a:pPr lvl="0" indent="0" marL="0">
+              <a:buNone/>
+            </a:pPr>
+            <a:r>
+              <a:rPr/>
+              <a:t>Radial Support Vector Machine</a:t>
+            </a:r>
+          </a:p>
+        </p:txBody>
+      </p:sp>
+      <p:pic>
+        <p:nvPicPr>
+          <p:cNvPr descr="austins_temp_powerpoint_files/figure-pptx/austin_svm_plot-1.png" id="0" name="Picture 1"/>
+          <p:cNvPicPr>
+            <a:picLocks noGrp="1" noChangeAspect="1"/>
+          </p:cNvPicPr>
+          <p:nvPr/>
+        </p:nvPicPr>
+        <p:blipFill>
+          <a:blip r:embed="rId2"/>
+          <a:stretch>
+            <a:fillRect/>
+          </a:stretch>
+        </p:blipFill>
+        <p:spPr bwMode="auto">
+          <a:xfrm>
+            <a:off x="1574800" y="2159000"/>
+            <a:ext cx="6781800" cy="3873500"/>
+          </a:xfrm>
+          <a:prstGeom prst="rect">
+            <a:avLst/>
+          </a:prstGeom>
+          <a:noFill/>
+          <a:ln w="9525">
+            <a:noFill/>
+            <a:headEnd/>
+            <a:tailEnd/>
+          </a:ln>
+        </p:spPr>
+      </p:pic>
+    </p:spTree>
+  </p:cSld>
+</p:sld>
+</file>
+
+<file path=ppt/slides/slide13.xml><?xml version="1.0" encoding="utf-8"?>
+<p:sld xmlns:a="http://schemas.openxmlformats.org/drawingml/2006/main" xmlns:r="http://schemas.openxmlformats.org/officeDocument/2006/relationships" xmlns:p="http://schemas.openxmlformats.org/presentationml/2006/main">
+  <p:cSld>
+    <p:spTree>
+      <p:nvGrpSpPr>
+        <p:cNvPr id="1" name=""/>
+        <p:cNvGrpSpPr/>
+        <p:nvPr/>
+      </p:nvGrpSpPr>
+      <p:grpSpPr>
+        <a:xfrm>
+          <a:off x="0" y="0"/>
+          <a:ext cx="0" cy="0"/>
+          <a:chOff x="0" y="0"/>
+          <a:chExt cx="0" cy="0"/>
+        </a:xfrm>
+      </p:grpSpPr>
+      <p:sp>
+        <p:nvSpPr>
+          <p:cNvPr id="2" name="Title 1"/>
+          <p:cNvSpPr>
+            <a:spLocks noGrp="1"/>
+          </p:cNvSpPr>
+          <p:nvPr>
+            <p:ph type="title"/>
+          </p:nvPr>
+        </p:nvSpPr>
+        <p:spPr/>
+        <p:txBody>
+          <a:bodyPr/>
+          <a:lstStyle/>
+          <a:p>
+            <a:pPr lvl="0" indent="0" marL="0">
+              <a:buNone/>
+            </a:pPr>
+            <a:r>
+              <a:rPr/>
+              <a:t>Radial Support Vector Machine Parameters</a:t>
+            </a:r>
+          </a:p>
+        </p:txBody>
+      </p:sp>
+      <p:sp>
+        <p:nvSpPr>
+          <p:cNvPr id="3" name="Content Placeholder 2"/>
+          <p:cNvSpPr>
+            <a:spLocks noGrp="1"/>
+          </p:cNvSpPr>
+          <p:nvPr>
+            <p:ph idx="1"/>
+          </p:nvPr>
+        </p:nvSpPr>
+        <p:spPr/>
+        <p:txBody>
+          <a:bodyPr/>
+          <a:lstStyle/>
+          <a:p>
+            <a:pPr lvl="0"/>
+            <a:r>
+              <a:rPr/>
+              <a:t>Using all features</a:t>
+            </a:r>
+          </a:p>
+          <a:p>
+            <a:pPr lvl="0"/>
+            <a:r>
+              <a:rPr/>
+              <a:t>10-fold cross validation repeated 10 times</a:t>
+            </a:r>
+          </a:p>
+          <a:p>
+            <a:pPr lvl="0"/>
+            <a:r>
+              <a:rPr/>
+              <a:t>Type II Error: 0.0044053</a:t>
+            </a:r>
+          </a:p>
+          <a:p>
+            <a:pPr lvl="0"/>
+            <a:r>
+              <a:rPr/>
+              <a:t>Accuracy: 0.969163</a:t>
+            </a:r>
+          </a:p>
+        </p:txBody>
+      </p:sp>
+    </p:spTree>
+  </p:cSld>
+</p:sld>
+</file>
+
+<file path=ppt/slides/slide14.xml><?xml version="1.0" encoding="utf-8"?>
+<p:sld xmlns:a="http://schemas.openxmlformats.org/drawingml/2006/main" xmlns:r="http://schemas.openxmlformats.org/officeDocument/2006/relationships" xmlns:p="http://schemas.openxmlformats.org/presentationml/2006/main">
+  <p:cSld>
+    <p:spTree>
+      <p:nvGrpSpPr>
+        <p:cNvPr id="1" name=""/>
+        <p:cNvGrpSpPr/>
+        <p:nvPr/>
+      </p:nvGrpSpPr>
+      <p:grpSpPr>
+        <a:xfrm>
+          <a:off x="0" y="0"/>
+          <a:ext cx="0" cy="0"/>
+          <a:chOff x="0" y="0"/>
+          <a:chExt cx="0" cy="0"/>
+        </a:xfrm>
+      </p:grpSpPr>
+      <p:sp>
+        <p:nvSpPr>
+          <p:cNvPr id="2" name="Title 1"/>
+          <p:cNvSpPr>
+            <a:spLocks noGrp="1"/>
+          </p:cNvSpPr>
+          <p:nvPr>
+            <p:ph type="title"/>
+          </p:nvPr>
+        </p:nvSpPr>
+        <p:spPr/>
+        <p:txBody>
+          <a:bodyPr/>
+          <a:lstStyle/>
+          <a:p>
+            <a:pPr lvl="0" indent="0" marL="0">
+              <a:buNone/>
+            </a:pPr>
+            <a:r>
+              <a:rPr/>
+              <a:t>Tuned Radial Support Vector Machine</a:t>
+            </a:r>
+          </a:p>
+        </p:txBody>
+      </p:sp>
+      <p:pic>
+        <p:nvPicPr>
+          <p:cNvPr descr="austins_temp_powerpoint_files/figure-pptx/austin_svm_plot2-1.png" id="0" name="Picture 1"/>
+          <p:cNvPicPr>
+            <a:picLocks noGrp="1" noChangeAspect="1"/>
+          </p:cNvPicPr>
+          <p:nvPr/>
+        </p:nvPicPr>
+        <p:blipFill>
+          <a:blip r:embed="rId2"/>
+          <a:stretch>
+            <a:fillRect/>
+          </a:stretch>
+        </p:blipFill>
+        <p:spPr bwMode="auto">
+          <a:xfrm>
+            <a:off x="1574800" y="2159000"/>
+            <a:ext cx="6781800" cy="3873500"/>
+          </a:xfrm>
+          <a:prstGeom prst="rect">
+            <a:avLst/>
+          </a:prstGeom>
+          <a:noFill/>
+          <a:ln w="9525">
+            <a:noFill/>
+            <a:headEnd/>
+            <a:tailEnd/>
+          </a:ln>
+        </p:spPr>
+      </p:pic>
+    </p:spTree>
+  </p:cSld>
+</p:sld>
+</file>
+
+<file path=ppt/slides/slide15.xml><?xml version="1.0" encoding="utf-8"?>
+<p:sld xmlns:a="http://schemas.openxmlformats.org/drawingml/2006/main" xmlns:r="http://schemas.openxmlformats.org/officeDocument/2006/relationships" xmlns:p="http://schemas.openxmlformats.org/presentationml/2006/main">
+  <p:cSld>
+    <p:spTree>
+      <p:nvGrpSpPr>
+        <p:cNvPr id="1" name=""/>
+        <p:cNvGrpSpPr/>
+        <p:nvPr/>
+      </p:nvGrpSpPr>
+      <p:grpSpPr>
+        <a:xfrm>
+          <a:off x="0" y="0"/>
+          <a:ext cx="0" cy="0"/>
+          <a:chOff x="0" y="0"/>
+          <a:chExt cx="0" cy="0"/>
+        </a:xfrm>
+      </p:grpSpPr>
+      <p:sp>
+        <p:nvSpPr>
+          <p:cNvPr id="2" name="Title 1"/>
+          <p:cNvSpPr>
+            <a:spLocks noGrp="1"/>
+          </p:cNvSpPr>
+          <p:nvPr>
+            <p:ph type="title"/>
+          </p:nvPr>
+        </p:nvSpPr>
+        <p:spPr/>
+        <p:txBody>
+          <a:bodyPr/>
+          <a:lstStyle/>
+          <a:p>
+            <a:pPr lvl="0" indent="0" marL="0">
+              <a:buNone/>
+            </a:pPr>
+            <a:r>
+              <a:rPr/>
+              <a:t>Tuned Radial Support Vector Machine Parameters</a:t>
+            </a:r>
+          </a:p>
+        </p:txBody>
+      </p:sp>
+      <p:sp>
+        <p:nvSpPr>
+          <p:cNvPr id="3" name="Content Placeholder 2"/>
+          <p:cNvSpPr>
+            <a:spLocks noGrp="1"/>
+          </p:cNvSpPr>
+          <p:nvPr>
+            <p:ph idx="1"/>
+          </p:nvPr>
+        </p:nvSpPr>
+        <p:spPr/>
+        <p:txBody>
+          <a:bodyPr/>
+          <a:lstStyle/>
+          <a:p>
+            <a:pPr lvl="0"/>
+            <a:r>
+              <a:rPr/>
+              <a:t>Using all features</a:t>
+            </a:r>
+          </a:p>
+          <a:p>
+            <a:pPr lvl="0"/>
+            <a:r>
+              <a:rPr/>
+              <a:t>10-fold cross validation repeated 10 times</a:t>
+            </a:r>
+          </a:p>
+          <a:p>
+            <a:pPr lvl="0"/>
+            <a:r>
+              <a:rPr/>
+              <a:t>Type II Error: 0.0088106</a:t>
+            </a:r>
+          </a:p>
+          <a:p>
+            <a:pPr lvl="0"/>
+            <a:r>
+              <a:rPr/>
+              <a:t>Accuracy: 0.9735683</a:t>
+            </a:r>
+          </a:p>
+        </p:txBody>
+      </p:sp>
+    </p:spTree>
+  </p:cSld>
+</p:sld>
+</file>
+
+<file path=ppt/slides/slide2.xml><?xml version="1.0" encoding="utf-8"?>
+<p:sld xmlns:a="http://schemas.openxmlformats.org/drawingml/2006/main" xmlns:r="http://schemas.openxmlformats.org/officeDocument/2006/relationships" xmlns:p="http://schemas.openxmlformats.org/presentationml/2006/main">
+  <p:cSld>
+    <p:spTree>
+      <p:nvGrpSpPr>
+        <p:cNvPr id="1" name=""/>
+        <p:cNvGrpSpPr/>
+        <p:nvPr/>
+      </p:nvGrpSpPr>
+      <p:grpSpPr>
+        <a:xfrm>
+          <a:off x="0" y="0"/>
+          <a:ext cx="0" cy="0"/>
+          <a:chOff x="0" y="0"/>
+          <a:chExt cx="0" cy="0"/>
+        </a:xfrm>
+      </p:grpSpPr>
+      <p:sp>
+        <p:nvSpPr>
+          <p:cNvPr id="2" name="Title 1"/>
+          <p:cNvSpPr>
+            <a:spLocks noGrp="1"/>
+          </p:cNvSpPr>
+          <p:nvPr>
+            <p:ph type="title"/>
+          </p:nvPr>
+        </p:nvSpPr>
+        <p:spPr/>
+        <p:txBody>
+          <a:bodyPr/>
+          <a:lstStyle/>
+          <a:p>
+            <a:pPr lvl="0" indent="0" marL="0">
+              <a:buNone/>
+            </a:pPr>
+            <a:r>
+              <a:rPr/>
+              <a:t>Background</a:t>
+            </a:r>
+          </a:p>
+        </p:txBody>
+      </p:sp>
+      <p:sp>
+        <p:nvSpPr>
+          <p:cNvPr id="3" name="Content Placeholder 2"/>
+          <p:cNvSpPr>
+            <a:spLocks noGrp="1"/>
+          </p:cNvSpPr>
+          <p:nvPr>
+            <p:ph idx="1"/>
+          </p:nvPr>
+        </p:nvSpPr>
+        <p:spPr/>
+        <p:txBody>
+          <a:bodyPr/>
+          <a:lstStyle/>
+          <a:p>
+            <a:pPr lvl="0"/>
+            <a:r>
+              <a:rPr/>
+              <a:t>Many people are diagnosed with breast cancer each year</a:t>
+            </a:r>
+          </a:p>
+          <a:p>
+            <a:pPr lvl="0"/>
+            <a:r>
+              <a:rPr/>
+              <a:t>Breast Cancer Diagnosis Data</a:t>
+            </a:r>
+          </a:p>
+          <a:p>
+            <a:pPr lvl="0"/>
+            <a:r>
+              <a:rPr/>
+              <a:t>Predict Diagnosis of Tumor based on features (Malignant or Benign)</a:t>
+            </a:r>
+          </a:p>
+          <a:p>
+            <a:pPr lvl="0"/>
+            <a:r>
+              <a:rPr i="1"/>
+              <a:t>Modivation:</a:t>
+            </a:r>
+            <a:r>
+              <a:rPr/>
+              <a:t> Reduce Type II Error (False-Negatives)</a:t>
+            </a:r>
+          </a:p>
+          <a:p>
+            <a:pPr lvl="1"/>
+            <a:r>
+              <a:rPr/>
+              <a:t>Feature and Model Selection</a:t>
+            </a:r>
+          </a:p>
+        </p:txBody>
+      </p:sp>
+    </p:spTree>
+  </p:cSld>
+</p:sld>
+</file>
+
+<file path=ppt/slides/slide3.xml><?xml version="1.0" encoding="utf-8"?>
+<p:sld xmlns:a="http://schemas.openxmlformats.org/drawingml/2006/main" xmlns:r="http://schemas.openxmlformats.org/officeDocument/2006/relationships" xmlns:p="http://schemas.openxmlformats.org/presentationml/2006/main">
+  <p:cSld>
+    <p:spTree>
+      <p:nvGrpSpPr>
+        <p:cNvPr id="1" name=""/>
+        <p:cNvGrpSpPr/>
+        <p:nvPr/>
+      </p:nvGrpSpPr>
+      <p:grpSpPr>
+        <a:xfrm>
+          <a:off x="0" y="0"/>
+          <a:ext cx="0" cy="0"/>
+          <a:chOff x="0" y="0"/>
+          <a:chExt cx="0" cy="0"/>
+        </a:xfrm>
+      </p:grpSpPr>
+      <p:sp>
+        <p:nvSpPr>
+          <p:cNvPr id="2" name="Title 1"/>
+          <p:cNvSpPr>
+            <a:spLocks noGrp="1"/>
+          </p:cNvSpPr>
+          <p:nvPr>
+            <p:ph type="title"/>
+          </p:nvPr>
+        </p:nvSpPr>
+        <p:spPr>
+          <a:xfrm>
+            <a:off x="677335" y="2700867"/>
+            <a:ext cx="8596668" cy="1826581"/>
+          </a:xfrm>
+        </p:spPr>
+        <p:txBody>
+          <a:bodyPr/>
+          <a:lstStyle/>
+          <a:p>
+            <a:pPr lvl="0" indent="0" marL="0">
+              <a:buNone/>
+            </a:pPr>
+            <a:r>
+              <a:rPr/>
+              <a:t>Models</a:t>
+            </a:r>
+          </a:p>
+        </p:txBody>
+      </p:sp>
+    </p:spTree>
+  </p:cSld>
+</p:sld>
+</file>
+
+<file path=ppt/slides/slide4.xml><?xml version="1.0" encoding="utf-8"?>
+<p:sld xmlns:a="http://schemas.openxmlformats.org/drawingml/2006/main" xmlns:r="http://schemas.openxmlformats.org/officeDocument/2006/relationships" xmlns:p="http://schemas.openxmlformats.org/presentationml/2006/main">
+  <p:cSld>
+    <p:spTree>
+      <p:nvGrpSpPr>
+        <p:cNvPr id="1" name=""/>
+        <p:cNvGrpSpPr/>
+        <p:nvPr/>
+      </p:nvGrpSpPr>
+      <p:grpSpPr>
+        <a:xfrm>
+          <a:off x="0" y="0"/>
+          <a:ext cx="0" cy="0"/>
+          <a:chOff x="0" y="0"/>
+          <a:chExt cx="0" cy="0"/>
+        </a:xfrm>
+      </p:grpSpPr>
+      <p:sp>
+        <p:nvSpPr>
+          <p:cNvPr id="2" name="Title 1"/>
+          <p:cNvSpPr>
+            <a:spLocks noGrp="1"/>
+          </p:cNvSpPr>
+          <p:nvPr>
+            <p:ph type="title"/>
+          </p:nvPr>
+        </p:nvSpPr>
+        <p:spPr>
+          <a:xfrm>
+            <a:off x="677335" y="2700867"/>
+            <a:ext cx="8596668" cy="1826581"/>
+          </a:xfrm>
+        </p:spPr>
+        <p:txBody>
+          <a:bodyPr/>
+          <a:lstStyle/>
+          <a:p>
+            <a:pPr lvl="0" indent="0" marL="0">
+              <a:buNone/>
+            </a:pPr>
+            <a:r>
+              <a:rPr/>
+              <a:t>KNN Model</a:t>
+            </a:r>
+          </a:p>
+        </p:txBody>
+      </p:sp>
+    </p:spTree>
+  </p:cSld>
+</p:sld>
+</file>
+
 <file path=ppt/slides/slide5.xml><?xml version="1.0" encoding="utf-8"?>
 <p:sld xmlns:a="http://schemas.openxmlformats.org/drawingml/2006/main" xmlns:r="http://schemas.openxmlformats.org/officeDocument/2006/relationships" xmlns:p="http://schemas.openxmlformats.org/presentationml/2006/main">
   <p:cSld>
@@ -6187,14 +6708,14 @@
             </a:pPr>
             <a:r>
               <a:rPr/>
-              <a:t>Random Forrest</a:t>
+              <a:t>Tuning KNN</a:t>
             </a:r>
           </a:p>
         </p:txBody>
       </p:sp>
       <p:pic>
         <p:nvPicPr>
-          <p:cNvPr descr="austins_temp_powerpoint_files/figure-pptx/austin_random_forrest_plot-1.png" id="0" name="Picture 1"/>
+          <p:cNvPr descr="austins_temp_powerpoint_files/figure-pptx/knn_tuning_plot-1.png" id="0" name="Picture 1"/>
           <p:cNvPicPr>
             <a:picLocks noGrp="1" noChangeAspect="1"/>
           </p:cNvPicPr>
@@ -6246,12 +6767,12 @@
       </p:grpSpPr>
       <p:sp>
         <p:nvSpPr>
-          <p:cNvPr id="4" name="Text Placeholder 3"/>
-          <p:cNvSpPr>
-            <a:spLocks noGrp="1"/>
-          </p:cNvSpPr>
-          <p:nvPr>
-            <p:ph idx="2" sz="half" type="body"/>
+          <p:cNvPr id="2" name="Title 1"/>
+          <p:cNvSpPr>
+            <a:spLocks noGrp="1"/>
+          </p:cNvSpPr>
+          <p:nvPr>
+            <p:ph type="title"/>
           </p:nvPr>
         </p:nvSpPr>
         <p:spPr/>
@@ -6262,12 +6783,16 @@
             <a:pPr lvl="0" indent="0" marL="0">
               <a:buNone/>
             </a:pPr>
+            <a:r>
+              <a:rPr/>
+              <a:t>Tuned KNN</a:t>
+            </a:r>
           </a:p>
         </p:txBody>
       </p:sp>
       <p:pic>
         <p:nvPicPr>
-          <p:cNvPr descr="austins_temp_powerpoint_files/figure-pptx/austin_random_forrest_plot2-1.png" id="0" name="Picture 1"/>
+          <p:cNvPr descr="austins_temp_powerpoint_files/figure-pptx/tuned_knn_plot-1.png" id="0" name="Picture 1"/>
           <p:cNvPicPr>
             <a:picLocks noGrp="1" noChangeAspect="1"/>
           </p:cNvPicPr>
@@ -6281,8 +6806,8 @@
         </p:blipFill>
         <p:spPr bwMode="auto">
           <a:xfrm>
-            <a:off x="4749800" y="1981200"/>
-            <a:ext cx="4508500" cy="2578100"/>
+            <a:off x="1574800" y="2159000"/>
+            <a:ext cx="6781800" cy="3873500"/>
           </a:xfrm>
           <a:prstGeom prst="rect">
             <a:avLst/>
@@ -6337,41 +6862,79 @@
             </a:pPr>
             <a:r>
               <a:rPr/>
-              <a:t>Radial Support Vector Machine</a:t>
-            </a:r>
-          </a:p>
-        </p:txBody>
-      </p:sp>
-      <p:pic>
-        <p:nvPicPr>
-          <p:cNvPr descr="austins_temp_powerpoint_files/figure-pptx/austin_svm_plot-1.png" id="0" name="Picture 1"/>
-          <p:cNvPicPr>
-            <a:picLocks noGrp="1" noChangeAspect="1"/>
-          </p:cNvPicPr>
-          <p:nvPr/>
-        </p:nvPicPr>
-        <p:blipFill>
-          <a:blip r:embed="rId2"/>
-          <a:stretch>
-            <a:fillRect/>
-          </a:stretch>
-        </p:blipFill>
-        <p:spPr bwMode="auto">
-          <a:xfrm>
-            <a:off x="1574800" y="2159000"/>
-            <a:ext cx="6781800" cy="3873500"/>
-          </a:xfrm>
-          <a:prstGeom prst="rect">
-            <a:avLst/>
-          </a:prstGeom>
-          <a:noFill/>
-          <a:ln w="9525">
-            <a:noFill/>
-            <a:headEnd/>
-            <a:tailEnd/>
-          </a:ln>
-        </p:spPr>
-      </p:pic>
+              <a:t>Tuned KNN Parameters</a:t>
+            </a:r>
+          </a:p>
+        </p:txBody>
+      </p:sp>
+      <mc:AlternateContent xmlns:mc="http://schemas.openxmlformats.org/markup-compatibility/2006">
+        <mc:Choice xmlns:a14="http://schemas.microsoft.com/office/drawing/2010/main" Requires="a14">
+          <p:sp>
+            <p:nvSpPr>
+              <p:cNvPr id="3" name="Content Placeholder 2"/>
+              <p:cNvSpPr>
+                <a:spLocks noGrp="1"/>
+              </p:cNvSpPr>
+              <p:nvPr>
+                <p:ph idx="1"/>
+              </p:nvPr>
+            </p:nvSpPr>
+            <p:spPr/>
+            <p:txBody>
+              <a:bodyPr/>
+              <a:lstStyle/>
+              <a:p>
+                <a:pPr lvl="0"/>
+                <a:r>
+                  <a:rPr/>
+                  <a:t>Using all features</a:t>
+                </a:r>
+              </a:p>
+              <a:p>
+                <a:pPr lvl="0"/>
+                <a:r>
+                  <a:rPr/>
+                  <a:t>10-fold cross validation repeated 10 times</a:t>
+                </a:r>
+              </a:p>
+              <a:p>
+                <a:pPr lvl="0"/>
+                <a14:m>
+                  <m:oMath xmlns:m="http://schemas.openxmlformats.org/officeDocument/2006/math">
+                    <m:r>
+                      <m:t>k</m:t>
+                    </m:r>
+                    <m:r>
+                      <m:rPr>
+                        <m:sty m:val="p"/>
+                      </m:rPr>
+                      <m:t>=</m:t>
+                    </m:r>
+                  </m:oMath>
+                </a14:m>
+                <a:r>
+                  <a:rPr/>
+                  <a:t> 10 neighbors</a:t>
+                </a:r>
+              </a:p>
+              <a:p>
+                <a:pPr lvl="0"/>
+                <a:r>
+                  <a:rPr/>
+                  <a:t>Type II Error: 0.0440529</a:t>
+                </a:r>
+              </a:p>
+              <a:p>
+                <a:pPr lvl="0"/>
+                <a:r>
+                  <a:rPr/>
+                  <a:t>Accuracy: 0.9339207</a:t>
+                </a:r>
+              </a:p>
+            </p:txBody>
+          </p:sp>
+        </mc:Choice>
+      </mc:AlternateContent>
     </p:spTree>
   </p:cSld>
 </p:sld>
@@ -6396,12 +6959,64 @@
       </p:grpSpPr>
       <p:sp>
         <p:nvSpPr>
-          <p:cNvPr id="4" name="Text Placeholder 3"/>
-          <p:cNvSpPr>
-            <a:spLocks noGrp="1"/>
-          </p:cNvSpPr>
-          <p:nvPr>
-            <p:ph idx="2" sz="half" type="body"/>
+          <p:cNvPr id="2" name="Title 1"/>
+          <p:cNvSpPr>
+            <a:spLocks noGrp="1"/>
+          </p:cNvSpPr>
+          <p:nvPr>
+            <p:ph type="title"/>
+          </p:nvPr>
+        </p:nvSpPr>
+        <p:spPr>
+          <a:xfrm>
+            <a:off x="677335" y="2700867"/>
+            <a:ext cx="8596668" cy="1826581"/>
+          </a:xfrm>
+        </p:spPr>
+        <p:txBody>
+          <a:bodyPr/>
+          <a:lstStyle/>
+          <a:p>
+            <a:pPr lvl="0" indent="0" marL="0">
+              <a:buNone/>
+            </a:pPr>
+            <a:r>
+              <a:rPr/>
+              <a:t>Random Forrest</a:t>
+            </a:r>
+          </a:p>
+        </p:txBody>
+      </p:sp>
+    </p:spTree>
+  </p:cSld>
+</p:sld>
+</file>
+
+<file path=ppt/slides/slide9.xml><?xml version="1.0" encoding="utf-8"?>
+<p:sld xmlns:a="http://schemas.openxmlformats.org/drawingml/2006/main" xmlns:r="http://schemas.openxmlformats.org/officeDocument/2006/relationships" xmlns:p="http://schemas.openxmlformats.org/presentationml/2006/main">
+  <p:cSld>
+    <p:spTree>
+      <p:nvGrpSpPr>
+        <p:cNvPr id="1" name=""/>
+        <p:cNvGrpSpPr/>
+        <p:nvPr/>
+      </p:nvGrpSpPr>
+      <p:grpSpPr>
+        <a:xfrm>
+          <a:off x="0" y="0"/>
+          <a:ext cx="0" cy="0"/>
+          <a:chOff x="0" y="0"/>
+          <a:chExt cx="0" cy="0"/>
+        </a:xfrm>
+      </p:grpSpPr>
+      <p:sp>
+        <p:nvSpPr>
+          <p:cNvPr id="2" name="Title 1"/>
+          <p:cNvSpPr>
+            <a:spLocks noGrp="1"/>
+          </p:cNvSpPr>
+          <p:nvPr>
+            <p:ph type="title"/>
           </p:nvPr>
         </p:nvSpPr>
         <p:spPr/>
@@ -6412,12 +7027,16 @@
             <a:pPr lvl="0" indent="0" marL="0">
               <a:buNone/>
             </a:pPr>
+            <a:r>
+              <a:rPr/>
+              <a:t>Tuning Random Forrest</a:t>
+            </a:r>
           </a:p>
         </p:txBody>
       </p:sp>
       <p:pic>
         <p:nvPicPr>
-          <p:cNvPr descr="austins_temp_powerpoint_files/figure-pptx/austin_svm_plot2-1.png" id="0" name="Picture 1"/>
+          <p:cNvPr descr="austins_temp_powerpoint_files/figure-pptx/rf_tuning_plot-1.png" id="0" name="Picture 1"/>
           <p:cNvPicPr>
             <a:picLocks noGrp="1" noChangeAspect="1"/>
           </p:cNvPicPr>
@@ -6431,8 +7050,8 @@
         </p:blipFill>
         <p:spPr bwMode="auto">
           <a:xfrm>
-            <a:off x="4749800" y="1981200"/>
-            <a:ext cx="4508500" cy="2578100"/>
+            <a:off x="1574800" y="2159000"/>
+            <a:ext cx="6781800" cy="3873500"/>
           </a:xfrm>
           <a:prstGeom prst="rect">
             <a:avLst/>
